--- a/results/rgf_proton_analysis_11637.pptx
+++ b/results/rgf_proton_analysis_11637.pptx
@@ -259,7 +259,7 @@
           <a:p>
             <a:fld id="{214E4D86-6237-5F43-8C61-E9AFB6E0EEAA}" type="datetimeFigureOut">
               <a:rPr lang="en-US" smtClean="0"/>
-              <a:t>2/19/20</a:t>
+              <a:t>2/21/20</a:t>
             </a:fld>
             <a:endParaRPr lang="en-US"/>
           </a:p>
@@ -429,7 +429,7 @@
           <a:p>
             <a:fld id="{214E4D86-6237-5F43-8C61-E9AFB6E0EEAA}" type="datetimeFigureOut">
               <a:rPr lang="en-US" smtClean="0"/>
-              <a:t>2/19/20</a:t>
+              <a:t>2/21/20</a:t>
             </a:fld>
             <a:endParaRPr lang="en-US"/>
           </a:p>
@@ -609,7 +609,7 @@
           <a:p>
             <a:fld id="{214E4D86-6237-5F43-8C61-E9AFB6E0EEAA}" type="datetimeFigureOut">
               <a:rPr lang="en-US" smtClean="0"/>
-              <a:t>2/19/20</a:t>
+              <a:t>2/21/20</a:t>
             </a:fld>
             <a:endParaRPr lang="en-US"/>
           </a:p>
@@ -779,7 +779,7 @@
           <a:p>
             <a:fld id="{214E4D86-6237-5F43-8C61-E9AFB6E0EEAA}" type="datetimeFigureOut">
               <a:rPr lang="en-US" smtClean="0"/>
-              <a:t>2/19/20</a:t>
+              <a:t>2/21/20</a:t>
             </a:fld>
             <a:endParaRPr lang="en-US"/>
           </a:p>
@@ -1023,7 +1023,7 @@
           <a:p>
             <a:fld id="{214E4D86-6237-5F43-8C61-E9AFB6E0EEAA}" type="datetimeFigureOut">
               <a:rPr lang="en-US" smtClean="0"/>
-              <a:t>2/19/20</a:t>
+              <a:t>2/21/20</a:t>
             </a:fld>
             <a:endParaRPr lang="en-US"/>
           </a:p>
@@ -1255,7 +1255,7 @@
           <a:p>
             <a:fld id="{214E4D86-6237-5F43-8C61-E9AFB6E0EEAA}" type="datetimeFigureOut">
               <a:rPr lang="en-US" smtClean="0"/>
-              <a:t>2/19/20</a:t>
+              <a:t>2/21/20</a:t>
             </a:fld>
             <a:endParaRPr lang="en-US"/>
           </a:p>
@@ -1622,7 +1622,7 @@
           <a:p>
             <a:fld id="{214E4D86-6237-5F43-8C61-E9AFB6E0EEAA}" type="datetimeFigureOut">
               <a:rPr lang="en-US" smtClean="0"/>
-              <a:t>2/19/20</a:t>
+              <a:t>2/21/20</a:t>
             </a:fld>
             <a:endParaRPr lang="en-US"/>
           </a:p>
@@ -1740,7 +1740,7 @@
           <a:p>
             <a:fld id="{214E4D86-6237-5F43-8C61-E9AFB6E0EEAA}" type="datetimeFigureOut">
               <a:rPr lang="en-US" smtClean="0"/>
-              <a:t>2/19/20</a:t>
+              <a:t>2/21/20</a:t>
             </a:fld>
             <a:endParaRPr lang="en-US"/>
           </a:p>
@@ -1835,7 +1835,7 @@
           <a:p>
             <a:fld id="{214E4D86-6237-5F43-8C61-E9AFB6E0EEAA}" type="datetimeFigureOut">
               <a:rPr lang="en-US" smtClean="0"/>
-              <a:t>2/19/20</a:t>
+              <a:t>2/21/20</a:t>
             </a:fld>
             <a:endParaRPr lang="en-US"/>
           </a:p>
@@ -2112,7 +2112,7 @@
           <a:p>
             <a:fld id="{214E4D86-6237-5F43-8C61-E9AFB6E0EEAA}" type="datetimeFigureOut">
               <a:rPr lang="en-US" smtClean="0"/>
-              <a:t>2/19/20</a:t>
+              <a:t>2/21/20</a:t>
             </a:fld>
             <a:endParaRPr lang="en-US"/>
           </a:p>
@@ -2369,7 +2369,7 @@
           <a:p>
             <a:fld id="{214E4D86-6237-5F43-8C61-E9AFB6E0EEAA}" type="datetimeFigureOut">
               <a:rPr lang="en-US" smtClean="0"/>
-              <a:t>2/19/20</a:t>
+              <a:t>2/21/20</a:t>
             </a:fld>
             <a:endParaRPr lang="en-US"/>
           </a:p>
@@ -2582,7 +2582,7 @@
           <a:p>
             <a:fld id="{214E4D86-6237-5F43-8C61-E9AFB6E0EEAA}" type="datetimeFigureOut">
               <a:rPr lang="en-US" smtClean="0"/>
-              <a:t>2/19/20</a:t>
+              <a:t>2/21/20</a:t>
             </a:fld>
             <a:endParaRPr lang="en-US"/>
           </a:p>
@@ -3041,8 +3041,8 @@
           </a:p>
         </p:txBody>
       </p:sp>
-      <mc:AlternateContent xmlns:mc="http://schemas.openxmlformats.org/markup-compatibility/2006" xmlns:a14="http://schemas.microsoft.com/office/drawing/2010/main">
-        <mc:Choice Requires="a14">
+      <mc:AlternateContent xmlns:mc="http://schemas.openxmlformats.org/markup-compatibility/2006">
+        <mc:Choice xmlns:a14="http://schemas.microsoft.com/office/drawing/2010/main" Requires="a14">
           <p:sp>
             <p:nvSpPr>
               <p:cNvPr id="4" name="TextBox 3"/>
@@ -3052,7 +3052,7 @@
             <p:spPr>
               <a:xfrm>
                 <a:off x="629022" y="658688"/>
-                <a:ext cx="8498737" cy="413511"/>
+                <a:ext cx="8383321" cy="413511"/>
               </a:xfrm>
               <a:prstGeom prst="rect">
                 <a:avLst/>
@@ -3248,7 +3248,23 @@
                         <a:ea typeface="Abadi MT Condensed Light" charset="0"/>
                         <a:cs typeface="Abadi MT Condensed Light" charset="0"/>
                       </a:rPr>
-                      <m:t>−20 </m:t>
+                      <m:t>−2</m:t>
+                    </m:r>
+                    <m:r>
+                      <a:rPr lang="en-US" sz="2000" b="0" i="1" smtClean="0">
+                        <a:latin typeface="Cambria Math" charset="0"/>
+                        <a:ea typeface="Abadi MT Condensed Light" charset="0"/>
+                        <a:cs typeface="Abadi MT Condensed Light" charset="0"/>
+                      </a:rPr>
+                      <m:t>5</m:t>
+                    </m:r>
+                    <m:r>
+                      <a:rPr lang="en-US" sz="2000" b="0" i="1" smtClean="0">
+                        <a:latin typeface="Cambria Math" charset="0"/>
+                        <a:ea typeface="Abadi MT Condensed Light" charset="0"/>
+                        <a:cs typeface="Abadi MT Condensed Light" charset="0"/>
+                      </a:rPr>
+                      <m:t> </m:t>
                     </m:r>
                     <m:r>
                       <a:rPr lang="en-US" sz="2000" b="0" i="1" smtClean="0">
@@ -3342,7 +3358,15 @@
                         <a:ea typeface="Cambria Math" charset="0"/>
                         <a:cs typeface="Cambria Math" charset="0"/>
                       </a:rPr>
-                      <m:t>≤15</m:t>
+                      <m:t>≤</m:t>
+                    </m:r>
+                    <m:r>
+                      <a:rPr lang="en-US" sz="2000" b="0" i="1" smtClean="0">
+                        <a:latin typeface="Cambria Math" charset="0"/>
+                        <a:ea typeface="Cambria Math" charset="0"/>
+                        <a:cs typeface="Cambria Math" charset="0"/>
+                      </a:rPr>
+                      <m:t>20</m:t>
                     </m:r>
                   </m:oMath>
                 </a14:m>
@@ -3363,7 +3387,7 @@
             </p:txBody>
           </p:sp>
         </mc:Choice>
-        <mc:Fallback xmlns="">
+        <mc:Fallback>
           <p:sp>
             <p:nvSpPr>
               <p:cNvPr id="4" name="TextBox 3"/>
@@ -3375,15 +3399,15 @@
             <p:spPr>
               <a:xfrm>
                 <a:off x="629022" y="658688"/>
-                <a:ext cx="8498737" cy="413511"/>
+                <a:ext cx="8383321" cy="413511"/>
               </a:xfrm>
               <a:prstGeom prst="rect">
                 <a:avLst/>
               </a:prstGeom>
               <a:blipFill rotWithShape="0">
-                <a:blip r:embed="rId3"/>
+                <a:blip r:embed="rId2"/>
                 <a:stretch>
-                  <a:fillRect l="-717" t="-94118" b="-119118"/>
+                  <a:fillRect l="-727" t="-94118" b="-119118"/>
                 </a:stretch>
               </a:blipFill>
             </p:spPr>
@@ -3411,15 +3435,21 @@
           <p:nvPr/>
         </p:nvPicPr>
         <p:blipFill>
-          <a:blip r:embed="rId4"/>
+          <a:blip r:embed="rId3">
+            <a:extLst>
+              <a:ext uri="{28A0092B-C50C-407E-A947-70E740481C1C}">
+                <a14:useLocalDpi xmlns:a14="http://schemas.microsoft.com/office/drawing/2010/main" val="0"/>
+              </a:ext>
+            </a:extLst>
+          </a:blip>
           <a:stretch>
             <a:fillRect/>
           </a:stretch>
         </p:blipFill>
         <p:spPr>
           <a:xfrm>
-            <a:off x="0" y="1231900"/>
-            <a:ext cx="9144000" cy="4394200"/>
+            <a:off x="0" y="1260662"/>
+            <a:ext cx="9144000" cy="4336676"/>
           </a:xfrm>
           <a:prstGeom prst="rect">
             <a:avLst/>
@@ -3875,15 +3905,21 @@
           <p:nvPr/>
         </p:nvPicPr>
         <p:blipFill>
-          <a:blip r:embed="rId3"/>
+          <a:blip r:embed="rId3">
+            <a:extLst>
+              <a:ext uri="{28A0092B-C50C-407E-A947-70E740481C1C}">
+                <a14:useLocalDpi xmlns:a14="http://schemas.microsoft.com/office/drawing/2010/main" val="0"/>
+              </a:ext>
+            </a:extLst>
+          </a:blip>
           <a:stretch>
             <a:fillRect/>
           </a:stretch>
         </p:blipFill>
         <p:spPr>
           <a:xfrm>
-            <a:off x="-16241" y="1454322"/>
-            <a:ext cx="9144000" cy="4394200"/>
+            <a:off x="-16241" y="1496899"/>
+            <a:ext cx="9144000" cy="4309046"/>
           </a:xfrm>
           <a:prstGeom prst="rect">
             <a:avLst/>
@@ -4339,15 +4375,21 @@
           <p:nvPr/>
         </p:nvPicPr>
         <p:blipFill>
-          <a:blip r:embed="rId3"/>
+          <a:blip r:embed="rId3">
+            <a:extLst>
+              <a:ext uri="{28A0092B-C50C-407E-A947-70E740481C1C}">
+                <a14:useLocalDpi xmlns:a14="http://schemas.microsoft.com/office/drawing/2010/main" val="0"/>
+              </a:ext>
+            </a:extLst>
+          </a:blip>
           <a:stretch>
             <a:fillRect/>
           </a:stretch>
         </p:blipFill>
         <p:spPr>
           <a:xfrm>
-            <a:off x="0" y="1231900"/>
-            <a:ext cx="9144000" cy="4394200"/>
+            <a:off x="0" y="1260662"/>
+            <a:ext cx="9144000" cy="4336676"/>
           </a:xfrm>
           <a:prstGeom prst="rect">
             <a:avLst/>
@@ -4803,15 +4845,21 @@
           <p:nvPr/>
         </p:nvPicPr>
         <p:blipFill>
-          <a:blip r:embed="rId3"/>
+          <a:blip r:embed="rId3">
+            <a:extLst>
+              <a:ext uri="{28A0092B-C50C-407E-A947-70E740481C1C}">
+                <a14:useLocalDpi xmlns:a14="http://schemas.microsoft.com/office/drawing/2010/main" val="0"/>
+              </a:ext>
+            </a:extLst>
+          </a:blip>
           <a:stretch>
             <a:fillRect/>
           </a:stretch>
         </p:blipFill>
         <p:spPr>
           <a:xfrm>
-            <a:off x="0" y="1231900"/>
-            <a:ext cx="9144000" cy="4394200"/>
+            <a:off x="0" y="1260662"/>
+            <a:ext cx="9144000" cy="4336676"/>
           </a:xfrm>
           <a:prstGeom prst="rect">
             <a:avLst/>
@@ -5267,15 +5315,21 @@
           <p:nvPr/>
         </p:nvPicPr>
         <p:blipFill>
-          <a:blip r:embed="rId3"/>
+          <a:blip r:embed="rId3">
+            <a:extLst>
+              <a:ext uri="{28A0092B-C50C-407E-A947-70E740481C1C}">
+                <a14:useLocalDpi xmlns:a14="http://schemas.microsoft.com/office/drawing/2010/main" val="0"/>
+              </a:ext>
+            </a:extLst>
+          </a:blip>
           <a:stretch>
             <a:fillRect/>
           </a:stretch>
         </p:blipFill>
         <p:spPr>
           <a:xfrm>
-            <a:off x="0" y="1207186"/>
-            <a:ext cx="9144000" cy="4394200"/>
+            <a:off x="0" y="1235948"/>
+            <a:ext cx="9144000" cy="4336676"/>
           </a:xfrm>
           <a:prstGeom prst="rect">
             <a:avLst/>
@@ -5731,15 +5785,21 @@
           <p:nvPr/>
         </p:nvPicPr>
         <p:blipFill>
-          <a:blip r:embed="rId3"/>
+          <a:blip r:embed="rId3">
+            <a:extLst>
+              <a:ext uri="{28A0092B-C50C-407E-A947-70E740481C1C}">
+                <a14:useLocalDpi xmlns:a14="http://schemas.microsoft.com/office/drawing/2010/main" val="0"/>
+              </a:ext>
+            </a:extLst>
+          </a:blip>
           <a:stretch>
             <a:fillRect/>
           </a:stretch>
         </p:blipFill>
         <p:spPr>
           <a:xfrm>
-            <a:off x="0" y="1231900"/>
-            <a:ext cx="9144000" cy="4394200"/>
+            <a:off x="0" y="1260662"/>
+            <a:ext cx="9144000" cy="4336676"/>
           </a:xfrm>
           <a:prstGeom prst="rect">
             <a:avLst/>

--- a/results/rgf_proton_analysis_11637.pptx
+++ b/results/rgf_proton_analysis_11637.pptx
@@ -3041,8 +3041,8 @@
           </a:p>
         </p:txBody>
       </p:sp>
-      <mc:AlternateContent xmlns:mc="http://schemas.openxmlformats.org/markup-compatibility/2006">
-        <mc:Choice xmlns:a14="http://schemas.microsoft.com/office/drawing/2010/main" Requires="a14">
+      <mc:AlternateContent xmlns:mc="http://schemas.openxmlformats.org/markup-compatibility/2006" xmlns:a14="http://schemas.microsoft.com/office/drawing/2010/main">
+        <mc:Choice Requires="a14">
           <p:sp>
             <p:nvSpPr>
               <p:cNvPr id="4" name="TextBox 3"/>
@@ -3248,23 +3248,7 @@
                         <a:ea typeface="Abadi MT Condensed Light" charset="0"/>
                         <a:cs typeface="Abadi MT Condensed Light" charset="0"/>
                       </a:rPr>
-                      <m:t>−2</m:t>
-                    </m:r>
-                    <m:r>
-                      <a:rPr lang="en-US" sz="2000" b="0" i="1" smtClean="0">
-                        <a:latin typeface="Cambria Math" charset="0"/>
-                        <a:ea typeface="Abadi MT Condensed Light" charset="0"/>
-                        <a:cs typeface="Abadi MT Condensed Light" charset="0"/>
-                      </a:rPr>
-                      <m:t>5</m:t>
-                    </m:r>
-                    <m:r>
-                      <a:rPr lang="en-US" sz="2000" b="0" i="1" smtClean="0">
-                        <a:latin typeface="Cambria Math" charset="0"/>
-                        <a:ea typeface="Abadi MT Condensed Light" charset="0"/>
-                        <a:cs typeface="Abadi MT Condensed Light" charset="0"/>
-                      </a:rPr>
-                      <m:t> </m:t>
+                      <m:t>−25 </m:t>
                     </m:r>
                     <m:r>
                       <a:rPr lang="en-US" sz="2000" b="0" i="1" smtClean="0">
@@ -3358,15 +3342,7 @@
                         <a:ea typeface="Cambria Math" charset="0"/>
                         <a:cs typeface="Cambria Math" charset="0"/>
                       </a:rPr>
-                      <m:t>≤</m:t>
-                    </m:r>
-                    <m:r>
-                      <a:rPr lang="en-US" sz="2000" b="0" i="1" smtClean="0">
-                        <a:latin typeface="Cambria Math" charset="0"/>
-                        <a:ea typeface="Cambria Math" charset="0"/>
-                        <a:cs typeface="Cambria Math" charset="0"/>
-                      </a:rPr>
-                      <m:t>20</m:t>
+                      <m:t>≤20</m:t>
                     </m:r>
                   </m:oMath>
                 </a14:m>
@@ -3387,7 +3363,7 @@
             </p:txBody>
           </p:sp>
         </mc:Choice>
-        <mc:Fallback>
+        <mc:Fallback xmlns="">
           <p:sp>
             <p:nvSpPr>
               <p:cNvPr id="4" name="TextBox 3"/>
@@ -3535,18 +3511,48 @@
           </a:p>
         </p:txBody>
       </p:sp>
-      <mc:AlternateContent xmlns:mc="http://schemas.openxmlformats.org/markup-compatibility/2006" xmlns:a14="http://schemas.microsoft.com/office/drawing/2010/main">
-        <mc:Choice Requires="a14">
+      <p:pic>
+        <p:nvPicPr>
+          <p:cNvPr id="3" name="Picture 2"/>
+          <p:cNvPicPr>
+            <a:picLocks noChangeAspect="1"/>
+          </p:cNvPicPr>
+          <p:nvPr/>
+        </p:nvPicPr>
+        <p:blipFill>
+          <a:blip r:embed="rId2">
+            <a:extLst>
+              <a:ext uri="{28A0092B-C50C-407E-A947-70E740481C1C}">
+                <a14:useLocalDpi xmlns:a14="http://schemas.microsoft.com/office/drawing/2010/main" val="0"/>
+              </a:ext>
+            </a:extLst>
+          </a:blip>
+          <a:stretch>
+            <a:fillRect/>
+          </a:stretch>
+        </p:blipFill>
+        <p:spPr>
+          <a:xfrm>
+            <a:off x="-16241" y="1496899"/>
+            <a:ext cx="9144000" cy="4309046"/>
+          </a:xfrm>
+          <a:prstGeom prst="rect">
+            <a:avLst/>
+          </a:prstGeom>
+        </p:spPr>
+      </p:pic>
+      <mc:AlternateContent xmlns:mc="http://schemas.openxmlformats.org/markup-compatibility/2006">
+        <mc:Choice xmlns:a14="http://schemas.microsoft.com/office/drawing/2010/main" Requires="a14">
           <p:sp>
             <p:nvSpPr>
-              <p:cNvPr id="8" name="TextBox 7"/>
+              <p:cNvPr id="6" name="TextBox 5"/>
               <p:cNvSpPr txBox="1"/>
               <p:nvPr/>
             </p:nvSpPr>
             <p:spPr>
               <a:xfrm>
-                <a:off x="629022" y="646331"/>
-                <a:ext cx="8498737" cy="413511"/>
+                <a:off x="629022" y="658688"/>
+                <a:ext cx="8383321" cy="413511"/>
               </a:xfrm>
               <a:prstGeom prst="rect">
                 <a:avLst/>
@@ -3742,7 +3748,7 @@
                         <a:ea typeface="Abadi MT Condensed Light" charset="0"/>
                         <a:cs typeface="Abadi MT Condensed Light" charset="0"/>
                       </a:rPr>
-                      <m:t>−20 </m:t>
+                      <m:t>−25 </m:t>
                     </m:r>
                     <m:r>
                       <a:rPr lang="en-US" sz="2000" b="0" i="1" smtClean="0">
@@ -3836,7 +3842,7 @@
                         <a:ea typeface="Cambria Math" charset="0"/>
                         <a:cs typeface="Cambria Math" charset="0"/>
                       </a:rPr>
-                      <m:t>≤15</m:t>
+                      <m:t>≤20</m:t>
                     </m:r>
                   </m:oMath>
                 </a14:m>
@@ -3857,10 +3863,10 @@
             </p:txBody>
           </p:sp>
         </mc:Choice>
-        <mc:Fallback xmlns="">
+        <mc:Fallback>
           <p:sp>
             <p:nvSpPr>
-              <p:cNvPr id="8" name="TextBox 7"/>
+              <p:cNvPr id="6" name="TextBox 5"/>
               <p:cNvSpPr txBox="1">
                 <a:spLocks noRot="1" noChangeAspect="1" noMove="1" noResize="1" noEditPoints="1" noAdjustHandles="1" noChangeArrowheads="1" noChangeShapeType="1" noTextEdit="1"/>
               </p:cNvSpPr>
@@ -3868,16 +3874,16 @@
             </p:nvSpPr>
             <p:spPr>
               <a:xfrm>
-                <a:off x="629022" y="646331"/>
-                <a:ext cx="8498737" cy="413511"/>
+                <a:off x="629022" y="658688"/>
+                <a:ext cx="8383321" cy="413511"/>
               </a:xfrm>
               <a:prstGeom prst="rect">
                 <a:avLst/>
               </a:prstGeom>
               <a:blipFill rotWithShape="0">
-                <a:blip r:embed="rId2"/>
+                <a:blip r:embed="rId3"/>
                 <a:stretch>
-                  <a:fillRect l="-717" t="-94118" b="-119118"/>
+                  <a:fillRect l="-727" t="-94118" b="-119118"/>
                 </a:stretch>
               </a:blipFill>
             </p:spPr>
@@ -3896,36 +3902,6 @@
           </p:sp>
         </mc:Fallback>
       </mc:AlternateContent>
-      <p:pic>
-        <p:nvPicPr>
-          <p:cNvPr id="3" name="Picture 2"/>
-          <p:cNvPicPr>
-            <a:picLocks noChangeAspect="1"/>
-          </p:cNvPicPr>
-          <p:nvPr/>
-        </p:nvPicPr>
-        <p:blipFill>
-          <a:blip r:embed="rId3">
-            <a:extLst>
-              <a:ext uri="{28A0092B-C50C-407E-A947-70E740481C1C}">
-                <a14:useLocalDpi xmlns:a14="http://schemas.microsoft.com/office/drawing/2010/main" val="0"/>
-              </a:ext>
-            </a:extLst>
-          </a:blip>
-          <a:stretch>
-            <a:fillRect/>
-          </a:stretch>
-        </p:blipFill>
-        <p:spPr>
-          <a:xfrm>
-            <a:off x="-16241" y="1496899"/>
-            <a:ext cx="9144000" cy="4309046"/>
-          </a:xfrm>
-          <a:prstGeom prst="rect">
-            <a:avLst/>
-          </a:prstGeom>
-        </p:spPr>
-      </p:pic>
     </p:spTree>
     <p:extLst>
       <p:ext uri="{BB962C8B-B14F-4D97-AF65-F5344CB8AC3E}">
@@ -4005,18 +3981,48 @@
           </a:p>
         </p:txBody>
       </p:sp>
-      <mc:AlternateContent xmlns:mc="http://schemas.openxmlformats.org/markup-compatibility/2006" xmlns:a14="http://schemas.microsoft.com/office/drawing/2010/main">
-        <mc:Choice Requires="a14">
+      <p:pic>
+        <p:nvPicPr>
+          <p:cNvPr id="2" name="Picture 1"/>
+          <p:cNvPicPr>
+            <a:picLocks noChangeAspect="1"/>
+          </p:cNvPicPr>
+          <p:nvPr/>
+        </p:nvPicPr>
+        <p:blipFill>
+          <a:blip r:embed="rId2">
+            <a:extLst>
+              <a:ext uri="{28A0092B-C50C-407E-A947-70E740481C1C}">
+                <a14:useLocalDpi xmlns:a14="http://schemas.microsoft.com/office/drawing/2010/main" val="0"/>
+              </a:ext>
+            </a:extLst>
+          </a:blip>
+          <a:stretch>
+            <a:fillRect/>
+          </a:stretch>
+        </p:blipFill>
+        <p:spPr>
+          <a:xfrm>
+            <a:off x="0" y="1260662"/>
+            <a:ext cx="9144000" cy="4336676"/>
+          </a:xfrm>
+          <a:prstGeom prst="rect">
+            <a:avLst/>
+          </a:prstGeom>
+        </p:spPr>
+      </p:pic>
+      <mc:AlternateContent xmlns:mc="http://schemas.openxmlformats.org/markup-compatibility/2006">
+        <mc:Choice xmlns:a14="http://schemas.microsoft.com/office/drawing/2010/main" Requires="a14">
           <p:sp>
             <p:nvSpPr>
-              <p:cNvPr id="8" name="TextBox 7"/>
+              <p:cNvPr id="6" name="TextBox 5"/>
               <p:cNvSpPr txBox="1"/>
               <p:nvPr/>
             </p:nvSpPr>
             <p:spPr>
               <a:xfrm>
-                <a:off x="629022" y="646331"/>
-                <a:ext cx="8498737" cy="413511"/>
+                <a:off x="629022" y="658688"/>
+                <a:ext cx="8383321" cy="413511"/>
               </a:xfrm>
               <a:prstGeom prst="rect">
                 <a:avLst/>
@@ -4212,7 +4218,7 @@
                         <a:ea typeface="Abadi MT Condensed Light" charset="0"/>
                         <a:cs typeface="Abadi MT Condensed Light" charset="0"/>
                       </a:rPr>
-                      <m:t>−20 </m:t>
+                      <m:t>−25 </m:t>
                     </m:r>
                     <m:r>
                       <a:rPr lang="en-US" sz="2000" b="0" i="1" smtClean="0">
@@ -4306,7 +4312,7 @@
                         <a:ea typeface="Cambria Math" charset="0"/>
                         <a:cs typeface="Cambria Math" charset="0"/>
                       </a:rPr>
-                      <m:t>≤15</m:t>
+                      <m:t>≤20</m:t>
                     </m:r>
                   </m:oMath>
                 </a14:m>
@@ -4327,10 +4333,10 @@
             </p:txBody>
           </p:sp>
         </mc:Choice>
-        <mc:Fallback xmlns="">
+        <mc:Fallback>
           <p:sp>
             <p:nvSpPr>
-              <p:cNvPr id="8" name="TextBox 7"/>
+              <p:cNvPr id="6" name="TextBox 5"/>
               <p:cNvSpPr txBox="1">
                 <a:spLocks noRot="1" noChangeAspect="1" noMove="1" noResize="1" noEditPoints="1" noAdjustHandles="1" noChangeArrowheads="1" noChangeShapeType="1" noTextEdit="1"/>
               </p:cNvSpPr>
@@ -4338,16 +4344,16 @@
             </p:nvSpPr>
             <p:spPr>
               <a:xfrm>
-                <a:off x="629022" y="646331"/>
-                <a:ext cx="8498737" cy="413511"/>
+                <a:off x="629022" y="658688"/>
+                <a:ext cx="8383321" cy="413511"/>
               </a:xfrm>
               <a:prstGeom prst="rect">
                 <a:avLst/>
               </a:prstGeom>
               <a:blipFill rotWithShape="0">
-                <a:blip r:embed="rId2"/>
+                <a:blip r:embed="rId3"/>
                 <a:stretch>
-                  <a:fillRect l="-717" t="-94118" b="-119118"/>
+                  <a:fillRect l="-727" t="-94118" b="-119118"/>
                 </a:stretch>
               </a:blipFill>
             </p:spPr>
@@ -4366,36 +4372,6 @@
           </p:sp>
         </mc:Fallback>
       </mc:AlternateContent>
-      <p:pic>
-        <p:nvPicPr>
-          <p:cNvPr id="2" name="Picture 1"/>
-          <p:cNvPicPr>
-            <a:picLocks noChangeAspect="1"/>
-          </p:cNvPicPr>
-          <p:nvPr/>
-        </p:nvPicPr>
-        <p:blipFill>
-          <a:blip r:embed="rId3">
-            <a:extLst>
-              <a:ext uri="{28A0092B-C50C-407E-A947-70E740481C1C}">
-                <a14:useLocalDpi xmlns:a14="http://schemas.microsoft.com/office/drawing/2010/main" val="0"/>
-              </a:ext>
-            </a:extLst>
-          </a:blip>
-          <a:stretch>
-            <a:fillRect/>
-          </a:stretch>
-        </p:blipFill>
-        <p:spPr>
-          <a:xfrm>
-            <a:off x="0" y="1260662"/>
-            <a:ext cx="9144000" cy="4336676"/>
-          </a:xfrm>
-          <a:prstGeom prst="rect">
-            <a:avLst/>
-          </a:prstGeom>
-        </p:spPr>
-      </p:pic>
     </p:spTree>
     <p:extLst>
       <p:ext uri="{BB962C8B-B14F-4D97-AF65-F5344CB8AC3E}">
@@ -4475,18 +4451,48 @@
           </a:p>
         </p:txBody>
       </p:sp>
-      <mc:AlternateContent xmlns:mc="http://schemas.openxmlformats.org/markup-compatibility/2006" xmlns:a14="http://schemas.microsoft.com/office/drawing/2010/main">
-        <mc:Choice Requires="a14">
+      <p:pic>
+        <p:nvPicPr>
+          <p:cNvPr id="2" name="Picture 1"/>
+          <p:cNvPicPr>
+            <a:picLocks noChangeAspect="1"/>
+          </p:cNvPicPr>
+          <p:nvPr/>
+        </p:nvPicPr>
+        <p:blipFill>
+          <a:blip r:embed="rId2">
+            <a:extLst>
+              <a:ext uri="{28A0092B-C50C-407E-A947-70E740481C1C}">
+                <a14:useLocalDpi xmlns:a14="http://schemas.microsoft.com/office/drawing/2010/main" val="0"/>
+              </a:ext>
+            </a:extLst>
+          </a:blip>
+          <a:stretch>
+            <a:fillRect/>
+          </a:stretch>
+        </p:blipFill>
+        <p:spPr>
+          <a:xfrm>
+            <a:off x="0" y="1260662"/>
+            <a:ext cx="9144000" cy="4336676"/>
+          </a:xfrm>
+          <a:prstGeom prst="rect">
+            <a:avLst/>
+          </a:prstGeom>
+        </p:spPr>
+      </p:pic>
+      <mc:AlternateContent xmlns:mc="http://schemas.openxmlformats.org/markup-compatibility/2006">
+        <mc:Choice xmlns:a14="http://schemas.microsoft.com/office/drawing/2010/main" Requires="a14">
           <p:sp>
             <p:nvSpPr>
-              <p:cNvPr id="7" name="TextBox 6"/>
+              <p:cNvPr id="6" name="TextBox 5"/>
               <p:cNvSpPr txBox="1"/>
               <p:nvPr/>
             </p:nvSpPr>
             <p:spPr>
               <a:xfrm>
-                <a:off x="629022" y="646331"/>
-                <a:ext cx="8498737" cy="413511"/>
+                <a:off x="629022" y="658688"/>
+                <a:ext cx="8383321" cy="413511"/>
               </a:xfrm>
               <a:prstGeom prst="rect">
                 <a:avLst/>
@@ -4682,7 +4688,7 @@
                         <a:ea typeface="Abadi MT Condensed Light" charset="0"/>
                         <a:cs typeface="Abadi MT Condensed Light" charset="0"/>
                       </a:rPr>
-                      <m:t>−20 </m:t>
+                      <m:t>−25 </m:t>
                     </m:r>
                     <m:r>
                       <a:rPr lang="en-US" sz="2000" b="0" i="1" smtClean="0">
@@ -4776,7 +4782,7 @@
                         <a:ea typeface="Cambria Math" charset="0"/>
                         <a:cs typeface="Cambria Math" charset="0"/>
                       </a:rPr>
-                      <m:t>≤15</m:t>
+                      <m:t>≤20</m:t>
                     </m:r>
                   </m:oMath>
                 </a14:m>
@@ -4797,10 +4803,10 @@
             </p:txBody>
           </p:sp>
         </mc:Choice>
-        <mc:Fallback xmlns="">
+        <mc:Fallback>
           <p:sp>
             <p:nvSpPr>
-              <p:cNvPr id="7" name="TextBox 6"/>
+              <p:cNvPr id="6" name="TextBox 5"/>
               <p:cNvSpPr txBox="1">
                 <a:spLocks noRot="1" noChangeAspect="1" noMove="1" noResize="1" noEditPoints="1" noAdjustHandles="1" noChangeArrowheads="1" noChangeShapeType="1" noTextEdit="1"/>
               </p:cNvSpPr>
@@ -4808,16 +4814,16 @@
             </p:nvSpPr>
             <p:spPr>
               <a:xfrm>
-                <a:off x="629022" y="646331"/>
-                <a:ext cx="8498737" cy="413511"/>
+                <a:off x="629022" y="658688"/>
+                <a:ext cx="8383321" cy="413511"/>
               </a:xfrm>
               <a:prstGeom prst="rect">
                 <a:avLst/>
               </a:prstGeom>
               <a:blipFill rotWithShape="0">
-                <a:blip r:embed="rId2"/>
+                <a:blip r:embed="rId3"/>
                 <a:stretch>
-                  <a:fillRect l="-717" t="-94118" b="-119118"/>
+                  <a:fillRect l="-727" t="-94118" b="-119118"/>
                 </a:stretch>
               </a:blipFill>
             </p:spPr>
@@ -4836,36 +4842,6 @@
           </p:sp>
         </mc:Fallback>
       </mc:AlternateContent>
-      <p:pic>
-        <p:nvPicPr>
-          <p:cNvPr id="2" name="Picture 1"/>
-          <p:cNvPicPr>
-            <a:picLocks noChangeAspect="1"/>
-          </p:cNvPicPr>
-          <p:nvPr/>
-        </p:nvPicPr>
-        <p:blipFill>
-          <a:blip r:embed="rId3">
-            <a:extLst>
-              <a:ext uri="{28A0092B-C50C-407E-A947-70E740481C1C}">
-                <a14:useLocalDpi xmlns:a14="http://schemas.microsoft.com/office/drawing/2010/main" val="0"/>
-              </a:ext>
-            </a:extLst>
-          </a:blip>
-          <a:stretch>
-            <a:fillRect/>
-          </a:stretch>
-        </p:blipFill>
-        <p:spPr>
-          <a:xfrm>
-            <a:off x="0" y="1260662"/>
-            <a:ext cx="9144000" cy="4336676"/>
-          </a:xfrm>
-          <a:prstGeom prst="rect">
-            <a:avLst/>
-          </a:prstGeom>
-        </p:spPr>
-      </p:pic>
     </p:spTree>
     <p:extLst>
       <p:ext uri="{BB962C8B-B14F-4D97-AF65-F5344CB8AC3E}">
@@ -4945,18 +4921,48 @@
           </a:p>
         </p:txBody>
       </p:sp>
-      <mc:AlternateContent xmlns:mc="http://schemas.openxmlformats.org/markup-compatibility/2006" xmlns:a14="http://schemas.microsoft.com/office/drawing/2010/main">
-        <mc:Choice Requires="a14">
+      <p:pic>
+        <p:nvPicPr>
+          <p:cNvPr id="2" name="Picture 1"/>
+          <p:cNvPicPr>
+            <a:picLocks noChangeAspect="1"/>
+          </p:cNvPicPr>
+          <p:nvPr/>
+        </p:nvPicPr>
+        <p:blipFill>
+          <a:blip r:embed="rId2">
+            <a:extLst>
+              <a:ext uri="{28A0092B-C50C-407E-A947-70E740481C1C}">
+                <a14:useLocalDpi xmlns:a14="http://schemas.microsoft.com/office/drawing/2010/main" val="0"/>
+              </a:ext>
+            </a:extLst>
+          </a:blip>
+          <a:stretch>
+            <a:fillRect/>
+          </a:stretch>
+        </p:blipFill>
+        <p:spPr>
+          <a:xfrm>
+            <a:off x="0" y="1235948"/>
+            <a:ext cx="9144000" cy="4336676"/>
+          </a:xfrm>
+          <a:prstGeom prst="rect">
+            <a:avLst/>
+          </a:prstGeom>
+        </p:spPr>
+      </p:pic>
+      <mc:AlternateContent xmlns:mc="http://schemas.openxmlformats.org/markup-compatibility/2006">
+        <mc:Choice xmlns:a14="http://schemas.microsoft.com/office/drawing/2010/main" Requires="a14">
           <p:sp>
             <p:nvSpPr>
-              <p:cNvPr id="7" name="TextBox 6"/>
+              <p:cNvPr id="6" name="TextBox 5"/>
               <p:cNvSpPr txBox="1"/>
               <p:nvPr/>
             </p:nvSpPr>
             <p:spPr>
               <a:xfrm>
-                <a:off x="629022" y="646331"/>
-                <a:ext cx="8498737" cy="413511"/>
+                <a:off x="629022" y="658688"/>
+                <a:ext cx="8383321" cy="413511"/>
               </a:xfrm>
               <a:prstGeom prst="rect">
                 <a:avLst/>
@@ -5152,7 +5158,7 @@
                         <a:ea typeface="Abadi MT Condensed Light" charset="0"/>
                         <a:cs typeface="Abadi MT Condensed Light" charset="0"/>
                       </a:rPr>
-                      <m:t>−20 </m:t>
+                      <m:t>−25 </m:t>
                     </m:r>
                     <m:r>
                       <a:rPr lang="en-US" sz="2000" b="0" i="1" smtClean="0">
@@ -5246,7 +5252,7 @@
                         <a:ea typeface="Cambria Math" charset="0"/>
                         <a:cs typeface="Cambria Math" charset="0"/>
                       </a:rPr>
-                      <m:t>≤15</m:t>
+                      <m:t>≤20</m:t>
                     </m:r>
                   </m:oMath>
                 </a14:m>
@@ -5267,10 +5273,10 @@
             </p:txBody>
           </p:sp>
         </mc:Choice>
-        <mc:Fallback xmlns="">
+        <mc:Fallback>
           <p:sp>
             <p:nvSpPr>
-              <p:cNvPr id="7" name="TextBox 6"/>
+              <p:cNvPr id="6" name="TextBox 5"/>
               <p:cNvSpPr txBox="1">
                 <a:spLocks noRot="1" noChangeAspect="1" noMove="1" noResize="1" noEditPoints="1" noAdjustHandles="1" noChangeArrowheads="1" noChangeShapeType="1" noTextEdit="1"/>
               </p:cNvSpPr>
@@ -5278,16 +5284,16 @@
             </p:nvSpPr>
             <p:spPr>
               <a:xfrm>
-                <a:off x="629022" y="646331"/>
-                <a:ext cx="8498737" cy="413511"/>
+                <a:off x="629022" y="658688"/>
+                <a:ext cx="8383321" cy="413511"/>
               </a:xfrm>
               <a:prstGeom prst="rect">
                 <a:avLst/>
               </a:prstGeom>
               <a:blipFill rotWithShape="0">
-                <a:blip r:embed="rId2"/>
+                <a:blip r:embed="rId3"/>
                 <a:stretch>
-                  <a:fillRect l="-717" t="-94118" b="-119118"/>
+                  <a:fillRect l="-727" t="-94118" b="-119118"/>
                 </a:stretch>
               </a:blipFill>
             </p:spPr>
@@ -5306,36 +5312,6 @@
           </p:sp>
         </mc:Fallback>
       </mc:AlternateContent>
-      <p:pic>
-        <p:nvPicPr>
-          <p:cNvPr id="2" name="Picture 1"/>
-          <p:cNvPicPr>
-            <a:picLocks noChangeAspect="1"/>
-          </p:cNvPicPr>
-          <p:nvPr/>
-        </p:nvPicPr>
-        <p:blipFill>
-          <a:blip r:embed="rId3">
-            <a:extLst>
-              <a:ext uri="{28A0092B-C50C-407E-A947-70E740481C1C}">
-                <a14:useLocalDpi xmlns:a14="http://schemas.microsoft.com/office/drawing/2010/main" val="0"/>
-              </a:ext>
-            </a:extLst>
-          </a:blip>
-          <a:stretch>
-            <a:fillRect/>
-          </a:stretch>
-        </p:blipFill>
-        <p:spPr>
-          <a:xfrm>
-            <a:off x="0" y="1235948"/>
-            <a:ext cx="9144000" cy="4336676"/>
-          </a:xfrm>
-          <a:prstGeom prst="rect">
-            <a:avLst/>
-          </a:prstGeom>
-        </p:spPr>
-      </p:pic>
     </p:spTree>
     <p:extLst>
       <p:ext uri="{BB962C8B-B14F-4D97-AF65-F5344CB8AC3E}">
@@ -5415,18 +5391,48 @@
           </a:p>
         </p:txBody>
       </p:sp>
-      <mc:AlternateContent xmlns:mc="http://schemas.openxmlformats.org/markup-compatibility/2006" xmlns:a14="http://schemas.microsoft.com/office/drawing/2010/main">
-        <mc:Choice Requires="a14">
+      <p:pic>
+        <p:nvPicPr>
+          <p:cNvPr id="3" name="Picture 2"/>
+          <p:cNvPicPr>
+            <a:picLocks noChangeAspect="1"/>
+          </p:cNvPicPr>
+          <p:nvPr/>
+        </p:nvPicPr>
+        <p:blipFill>
+          <a:blip r:embed="rId2">
+            <a:extLst>
+              <a:ext uri="{28A0092B-C50C-407E-A947-70E740481C1C}">
+                <a14:useLocalDpi xmlns:a14="http://schemas.microsoft.com/office/drawing/2010/main" val="0"/>
+              </a:ext>
+            </a:extLst>
+          </a:blip>
+          <a:stretch>
+            <a:fillRect/>
+          </a:stretch>
+        </p:blipFill>
+        <p:spPr>
+          <a:xfrm>
+            <a:off x="0" y="1260662"/>
+            <a:ext cx="9144000" cy="4336676"/>
+          </a:xfrm>
+          <a:prstGeom prst="rect">
+            <a:avLst/>
+          </a:prstGeom>
+        </p:spPr>
+      </p:pic>
+      <mc:AlternateContent xmlns:mc="http://schemas.openxmlformats.org/markup-compatibility/2006">
+        <mc:Choice xmlns:a14="http://schemas.microsoft.com/office/drawing/2010/main" Requires="a14">
           <p:sp>
             <p:nvSpPr>
-              <p:cNvPr id="6" name="TextBox 5"/>
+              <p:cNvPr id="7" name="TextBox 6"/>
               <p:cNvSpPr txBox="1"/>
               <p:nvPr/>
             </p:nvSpPr>
             <p:spPr>
               <a:xfrm>
-                <a:off x="629022" y="646331"/>
-                <a:ext cx="8498737" cy="413511"/>
+                <a:off x="629022" y="658688"/>
+                <a:ext cx="8383321" cy="413511"/>
               </a:xfrm>
               <a:prstGeom prst="rect">
                 <a:avLst/>
@@ -5622,7 +5628,7 @@
                         <a:ea typeface="Abadi MT Condensed Light" charset="0"/>
                         <a:cs typeface="Abadi MT Condensed Light" charset="0"/>
                       </a:rPr>
-                      <m:t>−20 </m:t>
+                      <m:t>−25 </m:t>
                     </m:r>
                     <m:r>
                       <a:rPr lang="en-US" sz="2000" b="0" i="1" smtClean="0">
@@ -5716,7 +5722,7 @@
                         <a:ea typeface="Cambria Math" charset="0"/>
                         <a:cs typeface="Cambria Math" charset="0"/>
                       </a:rPr>
-                      <m:t>≤15</m:t>
+                      <m:t>≤20</m:t>
                     </m:r>
                   </m:oMath>
                 </a14:m>
@@ -5737,10 +5743,10 @@
             </p:txBody>
           </p:sp>
         </mc:Choice>
-        <mc:Fallback xmlns="">
+        <mc:Fallback>
           <p:sp>
             <p:nvSpPr>
-              <p:cNvPr id="6" name="TextBox 5"/>
+              <p:cNvPr id="7" name="TextBox 6"/>
               <p:cNvSpPr txBox="1">
                 <a:spLocks noRot="1" noChangeAspect="1" noMove="1" noResize="1" noEditPoints="1" noAdjustHandles="1" noChangeArrowheads="1" noChangeShapeType="1" noTextEdit="1"/>
               </p:cNvSpPr>
@@ -5748,16 +5754,16 @@
             </p:nvSpPr>
             <p:spPr>
               <a:xfrm>
-                <a:off x="629022" y="646331"/>
-                <a:ext cx="8498737" cy="413511"/>
+                <a:off x="629022" y="658688"/>
+                <a:ext cx="8383321" cy="413511"/>
               </a:xfrm>
               <a:prstGeom prst="rect">
                 <a:avLst/>
               </a:prstGeom>
               <a:blipFill rotWithShape="0">
-                <a:blip r:embed="rId2"/>
+                <a:blip r:embed="rId3"/>
                 <a:stretch>
-                  <a:fillRect l="-717" t="-94118" b="-119118"/>
+                  <a:fillRect l="-727" t="-94118" b="-119118"/>
                 </a:stretch>
               </a:blipFill>
             </p:spPr>
@@ -5776,36 +5782,6 @@
           </p:sp>
         </mc:Fallback>
       </mc:AlternateContent>
-      <p:pic>
-        <p:nvPicPr>
-          <p:cNvPr id="3" name="Picture 2"/>
-          <p:cNvPicPr>
-            <a:picLocks noChangeAspect="1"/>
-          </p:cNvPicPr>
-          <p:nvPr/>
-        </p:nvPicPr>
-        <p:blipFill>
-          <a:blip r:embed="rId3">
-            <a:extLst>
-              <a:ext uri="{28A0092B-C50C-407E-A947-70E740481C1C}">
-                <a14:useLocalDpi xmlns:a14="http://schemas.microsoft.com/office/drawing/2010/main" val="0"/>
-              </a:ext>
-            </a:extLst>
-          </a:blip>
-          <a:stretch>
-            <a:fillRect/>
-          </a:stretch>
-        </p:blipFill>
-        <p:spPr>
-          <a:xfrm>
-            <a:off x="0" y="1260662"/>
-            <a:ext cx="9144000" cy="4336676"/>
-          </a:xfrm>
-          <a:prstGeom prst="rect">
-            <a:avLst/>
-          </a:prstGeom>
-        </p:spPr>
-      </p:pic>
     </p:spTree>
     <p:extLst>
       <p:ext uri="{BB962C8B-B14F-4D97-AF65-F5344CB8AC3E}">

--- a/results/rgf_proton_analysis_11637.pptx
+++ b/results/rgf_proton_analysis_11637.pptx
@@ -7,10 +7,11 @@
   <p:sldIdLst>
     <p:sldId id="256" r:id="rId2"/>
     <p:sldId id="258" r:id="rId3"/>
-    <p:sldId id="262" r:id="rId4"/>
-    <p:sldId id="259" r:id="rId5"/>
-    <p:sldId id="260" r:id="rId6"/>
-    <p:sldId id="261" r:id="rId7"/>
+    <p:sldId id="263" r:id="rId4"/>
+    <p:sldId id="262" r:id="rId5"/>
+    <p:sldId id="259" r:id="rId6"/>
+    <p:sldId id="260" r:id="rId7"/>
+    <p:sldId id="261" r:id="rId8"/>
   </p:sldIdLst>
   <p:sldSz cx="9144000" cy="6858000" type="screen4x3"/>
   <p:notesSz cx="6858000" cy="9144000"/>
@@ -3533,16 +3534,16 @@
         </p:blipFill>
         <p:spPr>
           <a:xfrm>
-            <a:off x="-16241" y="1496899"/>
-            <a:ext cx="9144000" cy="4309046"/>
+            <a:off x="-16241" y="1665604"/>
+            <a:ext cx="9144000" cy="3971636"/>
           </a:xfrm>
           <a:prstGeom prst="rect">
             <a:avLst/>
           </a:prstGeom>
         </p:spPr>
       </p:pic>
-      <mc:AlternateContent xmlns:mc="http://schemas.openxmlformats.org/markup-compatibility/2006">
-        <mc:Choice xmlns:a14="http://schemas.microsoft.com/office/drawing/2010/main" Requires="a14">
+      <mc:AlternateContent xmlns:mc="http://schemas.openxmlformats.org/markup-compatibility/2006" xmlns:a14="http://schemas.microsoft.com/office/drawing/2010/main">
+        <mc:Choice Requires="a14">
           <p:sp>
             <p:nvSpPr>
               <p:cNvPr id="6" name="TextBox 5"/>
@@ -3863,7 +3864,7 @@
             </p:txBody>
           </p:sp>
         </mc:Choice>
-        <mc:Fallback>
+        <mc:Fallback xmlns="">
           <p:sp>
             <p:nvSpPr>
               <p:cNvPr id="6" name="TextBox 5"/>
@@ -3983,7 +3984,7 @@
       </p:sp>
       <p:pic>
         <p:nvPicPr>
-          <p:cNvPr id="2" name="Picture 1"/>
+          <p:cNvPr id="3" name="Picture 2"/>
           <p:cNvPicPr>
             <a:picLocks noChangeAspect="1"/>
           </p:cNvPicPr>
@@ -4003,16 +4004,16 @@
         </p:blipFill>
         <p:spPr>
           <a:xfrm>
-            <a:off x="0" y="1260662"/>
-            <a:ext cx="9144000" cy="4336676"/>
+            <a:off x="-16241" y="1496899"/>
+            <a:ext cx="9144000" cy="4309046"/>
           </a:xfrm>
           <a:prstGeom prst="rect">
             <a:avLst/>
           </a:prstGeom>
         </p:spPr>
       </p:pic>
-      <mc:AlternateContent xmlns:mc="http://schemas.openxmlformats.org/markup-compatibility/2006">
-        <mc:Choice xmlns:a14="http://schemas.microsoft.com/office/drawing/2010/main" Requires="a14">
+      <mc:AlternateContent xmlns:mc="http://schemas.openxmlformats.org/markup-compatibility/2006" xmlns:a14="http://schemas.microsoft.com/office/drawing/2010/main">
+        <mc:Choice Requires="a14">
           <p:sp>
             <p:nvSpPr>
               <p:cNvPr id="6" name="TextBox 5"/>
@@ -4333,7 +4334,7 @@
             </p:txBody>
           </p:sp>
         </mc:Choice>
-        <mc:Fallback>
+        <mc:Fallback xmlns="">
           <p:sp>
             <p:nvSpPr>
               <p:cNvPr id="6" name="TextBox 5"/>
@@ -4375,7 +4376,7 @@
     </p:spTree>
     <p:extLst>
       <p:ext uri="{BB962C8B-B14F-4D97-AF65-F5344CB8AC3E}">
-        <p14:creationId xmlns:p14="http://schemas.microsoft.com/office/powerpoint/2010/main" val="1473417281"/>
+        <p14:creationId xmlns:p14="http://schemas.microsoft.com/office/powerpoint/2010/main" val="874953797"/>
       </p:ext>
     </p:extLst>
   </p:cSld>
@@ -4481,8 +4482,8 @@
           </a:prstGeom>
         </p:spPr>
       </p:pic>
-      <mc:AlternateContent xmlns:mc="http://schemas.openxmlformats.org/markup-compatibility/2006">
-        <mc:Choice xmlns:a14="http://schemas.microsoft.com/office/drawing/2010/main" Requires="a14">
+      <mc:AlternateContent xmlns:mc="http://schemas.openxmlformats.org/markup-compatibility/2006" xmlns:a14="http://schemas.microsoft.com/office/drawing/2010/main">
+        <mc:Choice Requires="a14">
           <p:sp>
             <p:nvSpPr>
               <p:cNvPr id="6" name="TextBox 5"/>
@@ -4803,7 +4804,7 @@
             </p:txBody>
           </p:sp>
         </mc:Choice>
-        <mc:Fallback>
+        <mc:Fallback xmlns="">
           <p:sp>
             <p:nvSpPr>
               <p:cNvPr id="6" name="TextBox 5"/>
@@ -4845,7 +4846,7 @@
     </p:spTree>
     <p:extLst>
       <p:ext uri="{BB962C8B-B14F-4D97-AF65-F5344CB8AC3E}">
-        <p14:creationId xmlns:p14="http://schemas.microsoft.com/office/powerpoint/2010/main" val="1204399226"/>
+        <p14:creationId xmlns:p14="http://schemas.microsoft.com/office/powerpoint/2010/main" val="1473417281"/>
       </p:ext>
     </p:extLst>
   </p:cSld>
@@ -4943,7 +4944,7 @@
         </p:blipFill>
         <p:spPr>
           <a:xfrm>
-            <a:off x="0" y="1235948"/>
+            <a:off x="0" y="1260662"/>
             <a:ext cx="9144000" cy="4336676"/>
           </a:xfrm>
           <a:prstGeom prst="rect">
@@ -4951,8 +4952,8 @@
           </a:prstGeom>
         </p:spPr>
       </p:pic>
-      <mc:AlternateContent xmlns:mc="http://schemas.openxmlformats.org/markup-compatibility/2006">
-        <mc:Choice xmlns:a14="http://schemas.microsoft.com/office/drawing/2010/main" Requires="a14">
+      <mc:AlternateContent xmlns:mc="http://schemas.openxmlformats.org/markup-compatibility/2006" xmlns:a14="http://schemas.microsoft.com/office/drawing/2010/main">
+        <mc:Choice Requires="a14">
           <p:sp>
             <p:nvSpPr>
               <p:cNvPr id="6" name="TextBox 5"/>
@@ -5273,7 +5274,7 @@
             </p:txBody>
           </p:sp>
         </mc:Choice>
-        <mc:Fallback>
+        <mc:Fallback xmlns="">
           <p:sp>
             <p:nvSpPr>
               <p:cNvPr id="6" name="TextBox 5"/>
@@ -5315,7 +5316,7 @@
     </p:spTree>
     <p:extLst>
       <p:ext uri="{BB962C8B-B14F-4D97-AF65-F5344CB8AC3E}">
-        <p14:creationId xmlns:p14="http://schemas.microsoft.com/office/powerpoint/2010/main" val="440023813"/>
+        <p14:creationId xmlns:p14="http://schemas.microsoft.com/office/powerpoint/2010/main" val="1204399226"/>
       </p:ext>
     </p:extLst>
   </p:cSld>
@@ -5393,7 +5394,7 @@
       </p:sp>
       <p:pic>
         <p:nvPicPr>
-          <p:cNvPr id="3" name="Picture 2"/>
+          <p:cNvPr id="2" name="Picture 1"/>
           <p:cNvPicPr>
             <a:picLocks noChangeAspect="1"/>
           </p:cNvPicPr>
@@ -5413,7 +5414,7 @@
         </p:blipFill>
         <p:spPr>
           <a:xfrm>
-            <a:off x="0" y="1260662"/>
+            <a:off x="0" y="1235948"/>
             <a:ext cx="9144000" cy="4336676"/>
           </a:xfrm>
           <a:prstGeom prst="rect">
@@ -5421,11 +5422,11 @@
           </a:prstGeom>
         </p:spPr>
       </p:pic>
-      <mc:AlternateContent xmlns:mc="http://schemas.openxmlformats.org/markup-compatibility/2006">
-        <mc:Choice xmlns:a14="http://schemas.microsoft.com/office/drawing/2010/main" Requires="a14">
+      <mc:AlternateContent xmlns:mc="http://schemas.openxmlformats.org/markup-compatibility/2006" xmlns:a14="http://schemas.microsoft.com/office/drawing/2010/main">
+        <mc:Choice Requires="a14">
           <p:sp>
             <p:nvSpPr>
-              <p:cNvPr id="7" name="TextBox 6"/>
+              <p:cNvPr id="6" name="TextBox 5"/>
               <p:cNvSpPr txBox="1"/>
               <p:nvPr/>
             </p:nvSpPr>
@@ -5743,7 +5744,477 @@
             </p:txBody>
           </p:sp>
         </mc:Choice>
-        <mc:Fallback>
+        <mc:Fallback xmlns="">
+          <p:sp>
+            <p:nvSpPr>
+              <p:cNvPr id="6" name="TextBox 5"/>
+              <p:cNvSpPr txBox="1">
+                <a:spLocks noRot="1" noChangeAspect="1" noMove="1" noResize="1" noEditPoints="1" noAdjustHandles="1" noChangeArrowheads="1" noChangeShapeType="1" noTextEdit="1"/>
+              </p:cNvSpPr>
+              <p:nvPr/>
+            </p:nvSpPr>
+            <p:spPr>
+              <a:xfrm>
+                <a:off x="629022" y="658688"/>
+                <a:ext cx="8383321" cy="413511"/>
+              </a:xfrm>
+              <a:prstGeom prst="rect">
+                <a:avLst/>
+              </a:prstGeom>
+              <a:blipFill rotWithShape="0">
+                <a:blip r:embed="rId3"/>
+                <a:stretch>
+                  <a:fillRect l="-727" t="-94118" b="-119118"/>
+                </a:stretch>
+              </a:blipFill>
+            </p:spPr>
+            <p:txBody>
+              <a:bodyPr/>
+              <a:lstStyle/>
+              <a:p>
+                <a:r>
+                  <a:rPr lang="en-US">
+                    <a:noFill/>
+                  </a:rPr>
+                  <a:t> </a:t>
+                </a:r>
+              </a:p>
+            </p:txBody>
+          </p:sp>
+        </mc:Fallback>
+      </mc:AlternateContent>
+    </p:spTree>
+    <p:extLst>
+      <p:ext uri="{BB962C8B-B14F-4D97-AF65-F5344CB8AC3E}">
+        <p14:creationId xmlns:p14="http://schemas.microsoft.com/office/powerpoint/2010/main" val="440023813"/>
+      </p:ext>
+    </p:extLst>
+  </p:cSld>
+  <p:clrMapOvr>
+    <a:masterClrMapping/>
+  </p:clrMapOvr>
+</p:sld>
+</file>
+
+<file path=ppt/slides/slide7.xml><?xml version="1.0" encoding="utf-8"?>
+<p:sld xmlns:a="http://schemas.openxmlformats.org/drawingml/2006/main" xmlns:r="http://schemas.openxmlformats.org/officeDocument/2006/relationships" xmlns:p="http://schemas.openxmlformats.org/presentationml/2006/main">
+  <p:cSld>
+    <p:spTree>
+      <p:nvGrpSpPr>
+        <p:cNvPr id="1" name=""/>
+        <p:cNvGrpSpPr/>
+        <p:nvPr/>
+      </p:nvGrpSpPr>
+      <p:grpSpPr>
+        <a:xfrm>
+          <a:off x="0" y="0"/>
+          <a:ext cx="0" cy="0"/>
+          <a:chOff x="0" y="0"/>
+          <a:chExt cx="0" cy="0"/>
+        </a:xfrm>
+      </p:grpSpPr>
+      <p:sp>
+        <p:nvSpPr>
+          <p:cNvPr id="5" name="TextBox 4"/>
+          <p:cNvSpPr txBox="1"/>
+          <p:nvPr/>
+        </p:nvSpPr>
+        <p:spPr>
+          <a:xfrm>
+            <a:off x="2038864" y="0"/>
+            <a:ext cx="5679055" cy="646331"/>
+          </a:xfrm>
+          <a:prstGeom prst="rect">
+            <a:avLst/>
+          </a:prstGeom>
+          <a:noFill/>
+        </p:spPr>
+        <p:txBody>
+          <a:bodyPr wrap="none" rtlCol="0">
+            <a:spAutoFit/>
+          </a:bodyPr>
+          <a:lstStyle/>
+          <a:p>
+            <a:r>
+              <a:rPr lang="en-US" sz="3600" dirty="0" smtClean="0">
+                <a:latin typeface="Abadi MT Condensed Light" charset="0"/>
+                <a:ea typeface="Abadi MT Condensed Light" charset="0"/>
+                <a:cs typeface="Abadi MT Condensed Light" charset="0"/>
+              </a:rPr>
+              <a:t>Run 11637 </a:t>
+            </a:r>
+            <a:r>
+              <a:rPr lang="mr-IN" sz="3600" dirty="0" smtClean="0">
+                <a:latin typeface="Abadi MT Condensed Light" charset="0"/>
+                <a:ea typeface="Abadi MT Condensed Light" charset="0"/>
+                <a:cs typeface="Abadi MT Condensed Light" charset="0"/>
+              </a:rPr>
+              <a:t>–</a:t>
+            </a:r>
+            <a:r>
+              <a:rPr lang="en-US" sz="3600" dirty="0" smtClean="0">
+                <a:latin typeface="Abadi MT Condensed Light" charset="0"/>
+                <a:ea typeface="Abadi MT Condensed Light" charset="0"/>
+                <a:cs typeface="Abadi MT Condensed Light" charset="0"/>
+              </a:rPr>
+              <a:t> RTPC Proton Analysis</a:t>
+            </a:r>
+          </a:p>
+        </p:txBody>
+      </p:sp>
+      <p:pic>
+        <p:nvPicPr>
+          <p:cNvPr id="3" name="Picture 2"/>
+          <p:cNvPicPr>
+            <a:picLocks noChangeAspect="1"/>
+          </p:cNvPicPr>
+          <p:nvPr/>
+        </p:nvPicPr>
+        <p:blipFill>
+          <a:blip r:embed="rId2">
+            <a:extLst>
+              <a:ext uri="{28A0092B-C50C-407E-A947-70E740481C1C}">
+                <a14:useLocalDpi xmlns:a14="http://schemas.microsoft.com/office/drawing/2010/main" val="0"/>
+              </a:ext>
+            </a:extLst>
+          </a:blip>
+          <a:stretch>
+            <a:fillRect/>
+          </a:stretch>
+        </p:blipFill>
+        <p:spPr>
+          <a:xfrm>
+            <a:off x="0" y="1260662"/>
+            <a:ext cx="9144000" cy="4336676"/>
+          </a:xfrm>
+          <a:prstGeom prst="rect">
+            <a:avLst/>
+          </a:prstGeom>
+        </p:spPr>
+      </p:pic>
+      <mc:AlternateContent xmlns:mc="http://schemas.openxmlformats.org/markup-compatibility/2006" xmlns:a14="http://schemas.microsoft.com/office/drawing/2010/main">
+        <mc:Choice Requires="a14">
+          <p:sp>
+            <p:nvSpPr>
+              <p:cNvPr id="7" name="TextBox 6"/>
+              <p:cNvSpPr txBox="1"/>
+              <p:nvPr/>
+            </p:nvSpPr>
+            <p:spPr>
+              <a:xfrm>
+                <a:off x="629022" y="658688"/>
+                <a:ext cx="8383321" cy="413511"/>
+              </a:xfrm>
+              <a:prstGeom prst="rect">
+                <a:avLst/>
+              </a:prstGeom>
+              <a:noFill/>
+            </p:spPr>
+            <p:txBody>
+              <a:bodyPr wrap="none" rtlCol="0">
+                <a:spAutoFit/>
+              </a:bodyPr>
+              <a:lstStyle/>
+              <a:p>
+                <a:r>
+                  <a:rPr lang="en-US" sz="2000" b="1" dirty="0" smtClean="0">
+                    <a:latin typeface="Abadi MT Condensed Light" charset="0"/>
+                    <a:ea typeface="Abadi MT Condensed Light" charset="0"/>
+                    <a:cs typeface="Abadi MT Condensed Light" charset="0"/>
+                  </a:rPr>
+                  <a:t>Cuts</a:t>
+                </a:r>
+                <a:r>
+                  <a:rPr lang="en-US" sz="2000" dirty="0" smtClean="0">
+                    <a:latin typeface="Abadi MT Condensed Light" charset="0"/>
+                    <a:ea typeface="Abadi MT Condensed Light" charset="0"/>
+                    <a:cs typeface="Abadi MT Condensed Light" charset="0"/>
+                  </a:rPr>
+                  <a:t>: </a:t>
+                </a:r>
+                <a14:m>
+                  <m:oMath xmlns:m="http://schemas.openxmlformats.org/officeDocument/2006/math">
+                    <m:r>
+                      <a:rPr lang="en-US" sz="2000" b="0" i="1" smtClean="0">
+                        <a:latin typeface="Cambria Math" charset="0"/>
+                        <a:ea typeface="Abadi MT Condensed Light" charset="0"/>
+                        <a:cs typeface="Abadi MT Condensed Light" charset="0"/>
+                      </a:rPr>
+                      <m:t>0.05 </m:t>
+                    </m:r>
+                    <m:r>
+                      <a:rPr lang="en-US" sz="2000" b="0" i="1" smtClean="0">
+                        <a:latin typeface="Cambria Math" charset="0"/>
+                        <a:ea typeface="Cambria Math" charset="0"/>
+                        <a:cs typeface="Cambria Math" charset="0"/>
+                      </a:rPr>
+                      <m:t>≤ </m:t>
+                    </m:r>
+                    <m:sSup>
+                      <m:sSupPr>
+                        <m:ctrlPr>
+                          <a:rPr lang="en-US" sz="2000" b="0" i="1" smtClean="0">
+                            <a:latin typeface="Cambria Math" charset="0"/>
+                            <a:ea typeface="Cambria Math" charset="0"/>
+                            <a:cs typeface="Cambria Math" charset="0"/>
+                          </a:rPr>
+                        </m:ctrlPr>
+                      </m:sSupPr>
+                      <m:e>
+                        <m:r>
+                          <a:rPr lang="en-US" sz="2000" b="0" i="1" smtClean="0">
+                            <a:latin typeface="Cambria Math" charset="0"/>
+                            <a:ea typeface="Cambria Math" charset="0"/>
+                            <a:cs typeface="Cambria Math" charset="0"/>
+                          </a:rPr>
+                          <m:t>𝑄</m:t>
+                        </m:r>
+                      </m:e>
+                      <m:sup>
+                        <m:r>
+                          <a:rPr lang="en-US" sz="2000" b="0" i="1" smtClean="0">
+                            <a:latin typeface="Cambria Math" charset="0"/>
+                            <a:ea typeface="Cambria Math" charset="0"/>
+                            <a:cs typeface="Cambria Math" charset="0"/>
+                          </a:rPr>
+                          <m:t>2</m:t>
+                        </m:r>
+                      </m:sup>
+                    </m:sSup>
+                    <m:r>
+                      <a:rPr lang="en-US" sz="2000" b="0" i="1" smtClean="0">
+                        <a:latin typeface="Cambria Math" charset="0"/>
+                        <a:ea typeface="Cambria Math" charset="0"/>
+                        <a:cs typeface="Cambria Math" charset="0"/>
+                      </a:rPr>
+                      <m:t>≤0.1</m:t>
+                    </m:r>
+                  </m:oMath>
+                </a14:m>
+                <a:r>
+                  <a:rPr lang="en-US" sz="2000" dirty="0" smtClean="0">
+                    <a:latin typeface="Abadi MT Condensed Light" charset="0"/>
+                    <a:ea typeface="Abadi MT Condensed Light" charset="0"/>
+                    <a:cs typeface="Abadi MT Condensed Light" charset="0"/>
+                  </a:rPr>
+                  <a:t>GeV</a:t>
+                </a:r>
+                <a:r>
+                  <a:rPr lang="en-US" sz="2000" baseline="30000" dirty="0" smtClean="0">
+                    <a:latin typeface="Abadi MT Condensed Light" charset="0"/>
+                    <a:ea typeface="Abadi MT Condensed Light" charset="0"/>
+                    <a:cs typeface="Abadi MT Condensed Light" charset="0"/>
+                  </a:rPr>
+                  <a:t>2</a:t>
+                </a:r>
+                <a:r>
+                  <a:rPr lang="en-US" sz="2000" dirty="0" smtClean="0">
+                    <a:latin typeface="Abadi MT Condensed Light" charset="0"/>
+                    <a:ea typeface="Abadi MT Condensed Light" charset="0"/>
+                    <a:cs typeface="Abadi MT Condensed Light" charset="0"/>
+                  </a:rPr>
+                  <a:t>/c</a:t>
+                </a:r>
+                <a:r>
+                  <a:rPr lang="en-US" sz="2000" baseline="30000" dirty="0" smtClean="0">
+                    <a:latin typeface="Abadi MT Condensed Light" charset="0"/>
+                    <a:ea typeface="Abadi MT Condensed Light" charset="0"/>
+                    <a:cs typeface="Abadi MT Condensed Light" charset="0"/>
+                  </a:rPr>
+                  <a:t>2</a:t>
+                </a:r>
+                <a:r>
+                  <a:rPr lang="en-US" sz="2000" dirty="0" smtClean="0">
+                    <a:latin typeface="Abadi MT Condensed Light" charset="0"/>
+                    <a:ea typeface="Abadi MT Condensed Light" charset="0"/>
+                    <a:cs typeface="Abadi MT Condensed Light" charset="0"/>
+                  </a:rPr>
+                  <a:t>, </a:t>
+                </a:r>
+                <a14:m>
+                  <m:oMath xmlns:m="http://schemas.openxmlformats.org/officeDocument/2006/math">
+                    <m:r>
+                      <a:rPr lang="en-US" sz="2000" b="0" i="1" smtClean="0">
+                        <a:latin typeface="Cambria Math" charset="0"/>
+                        <a:ea typeface="Abadi MT Condensed Light" charset="0"/>
+                        <a:cs typeface="Abadi MT Condensed Light" charset="0"/>
+                      </a:rPr>
+                      <m:t>0.85 </m:t>
+                    </m:r>
+                    <m:r>
+                      <a:rPr lang="en-US" sz="2000" b="0" i="1" smtClean="0">
+                        <a:latin typeface="Cambria Math" charset="0"/>
+                        <a:ea typeface="Cambria Math" charset="0"/>
+                        <a:cs typeface="Cambria Math" charset="0"/>
+                      </a:rPr>
+                      <m:t>≤</m:t>
+                    </m:r>
+                    <m:r>
+                      <a:rPr lang="en-US" sz="2000" b="0" i="1" smtClean="0">
+                        <a:latin typeface="Cambria Math" charset="0"/>
+                        <a:ea typeface="Cambria Math" charset="0"/>
+                        <a:cs typeface="Cambria Math" charset="0"/>
+                      </a:rPr>
+                      <m:t>𝑊</m:t>
+                    </m:r>
+                    <m:r>
+                      <a:rPr lang="en-US" sz="2000" b="0" i="1" smtClean="0">
+                        <a:latin typeface="Cambria Math" charset="0"/>
+                        <a:ea typeface="Cambria Math" charset="0"/>
+                        <a:cs typeface="Cambria Math" charset="0"/>
+                      </a:rPr>
+                      <m:t>≤1.05</m:t>
+                    </m:r>
+                  </m:oMath>
+                </a14:m>
+                <a:r>
+                  <a:rPr lang="en-US" sz="2000" dirty="0" smtClean="0">
+                    <a:latin typeface="Abadi MT Condensed Light" charset="0"/>
+                    <a:ea typeface="Abadi MT Condensed Light" charset="0"/>
+                    <a:cs typeface="Abadi MT Condensed Light" charset="0"/>
+                  </a:rPr>
+                  <a:t> GeV/c</a:t>
+                </a:r>
+                <a:r>
+                  <a:rPr lang="en-US" sz="2000" baseline="30000" dirty="0" smtClean="0">
+                    <a:latin typeface="Abadi MT Condensed Light" charset="0"/>
+                    <a:ea typeface="Abadi MT Condensed Light" charset="0"/>
+                    <a:cs typeface="Abadi MT Condensed Light" charset="0"/>
+                  </a:rPr>
+                  <a:t>2</a:t>
+                </a:r>
+                <a:r>
+                  <a:rPr lang="en-US" sz="2000" dirty="0" smtClean="0">
+                    <a:latin typeface="Abadi MT Condensed Light" charset="0"/>
+                    <a:ea typeface="Abadi MT Condensed Light" charset="0"/>
+                    <a:cs typeface="Abadi MT Condensed Light" charset="0"/>
+                  </a:rPr>
+                  <a:t>, </a:t>
+                </a:r>
+                <a14:m>
+                  <m:oMath xmlns:m="http://schemas.openxmlformats.org/officeDocument/2006/math">
+                    <m:r>
+                      <a:rPr lang="en-US" sz="2000" b="0" i="1" smtClean="0">
+                        <a:latin typeface="Cambria Math" charset="0"/>
+                        <a:ea typeface="Abadi MT Condensed Light" charset="0"/>
+                        <a:cs typeface="Abadi MT Condensed Light" charset="0"/>
+                      </a:rPr>
+                      <m:t>−25 </m:t>
+                    </m:r>
+                    <m:r>
+                      <a:rPr lang="en-US" sz="2000" b="0" i="1" smtClean="0">
+                        <a:latin typeface="Cambria Math" charset="0"/>
+                        <a:ea typeface="Cambria Math" charset="0"/>
+                        <a:cs typeface="Cambria Math" charset="0"/>
+                      </a:rPr>
+                      <m:t>≤</m:t>
+                    </m:r>
+                    <m:sSub>
+                      <m:sSubPr>
+                        <m:ctrlPr>
+                          <a:rPr lang="en-US" sz="2000" b="0" i="1" smtClean="0">
+                            <a:latin typeface="Cambria Math" charset="0"/>
+                            <a:ea typeface="Cambria Math" charset="0"/>
+                            <a:cs typeface="Cambria Math" charset="0"/>
+                          </a:rPr>
+                        </m:ctrlPr>
+                      </m:sSubPr>
+                      <m:e>
+                        <m:r>
+                          <a:rPr lang="en-US" sz="2000" b="0" i="1" smtClean="0">
+                            <a:latin typeface="Cambria Math" charset="0"/>
+                            <a:ea typeface="Cambria Math" charset="0"/>
+                            <a:cs typeface="Cambria Math" charset="0"/>
+                          </a:rPr>
+                          <m:t>𝑣</m:t>
+                        </m:r>
+                      </m:e>
+                      <m:sub>
+                        <m:r>
+                          <a:rPr lang="en-US" sz="2000" b="0" i="1" smtClean="0">
+                            <a:latin typeface="Cambria Math" charset="0"/>
+                            <a:ea typeface="Cambria Math" charset="0"/>
+                            <a:cs typeface="Cambria Math" charset="0"/>
+                          </a:rPr>
+                          <m:t>𝑧</m:t>
+                        </m:r>
+                        <m:r>
+                          <a:rPr lang="en-US" sz="2000" b="0" i="1" smtClean="0">
+                            <a:latin typeface="Cambria Math" charset="0"/>
+                            <a:ea typeface="Cambria Math" charset="0"/>
+                            <a:cs typeface="Cambria Math" charset="0"/>
+                          </a:rPr>
+                          <m:t>,</m:t>
+                        </m:r>
+                        <m:sSup>
+                          <m:sSupPr>
+                            <m:ctrlPr>
+                              <a:rPr lang="en-US" sz="2000" b="0" i="1" smtClean="0">
+                                <a:latin typeface="Cambria Math" charset="0"/>
+                                <a:ea typeface="Cambria Math" charset="0"/>
+                                <a:cs typeface="Cambria Math" charset="0"/>
+                              </a:rPr>
+                            </m:ctrlPr>
+                          </m:sSupPr>
+                          <m:e>
+                            <m:r>
+                              <a:rPr lang="en-US" sz="2000" b="0" i="1" smtClean="0">
+                                <a:latin typeface="Cambria Math" charset="0"/>
+                                <a:ea typeface="Cambria Math" charset="0"/>
+                                <a:cs typeface="Cambria Math" charset="0"/>
+                              </a:rPr>
+                              <m:t>𝑒</m:t>
+                            </m:r>
+                          </m:e>
+                          <m:sup>
+                            <m:r>
+                              <a:rPr lang="en-US" sz="2000" b="0" i="1" smtClean="0">
+                                <a:latin typeface="Cambria Math" charset="0"/>
+                                <a:ea typeface="Cambria Math" charset="0"/>
+                                <a:cs typeface="Cambria Math" charset="0"/>
+                              </a:rPr>
+                              <m:t>−</m:t>
+                            </m:r>
+                          </m:sup>
+                        </m:sSup>
+                        <m:r>
+                          <a:rPr lang="en-US" sz="2000" b="0" i="1" smtClean="0">
+                            <a:latin typeface="Cambria Math" charset="0"/>
+                            <a:ea typeface="Cambria Math" charset="0"/>
+                            <a:cs typeface="Cambria Math" charset="0"/>
+                          </a:rPr>
+                          <m:t> </m:t>
+                        </m:r>
+                      </m:sub>
+                    </m:sSub>
+                    <m:r>
+                      <a:rPr lang="en-US" sz="2000" b="0" i="1" smtClean="0">
+                        <a:latin typeface="Cambria Math" charset="0"/>
+                        <a:ea typeface="Cambria Math" charset="0"/>
+                        <a:cs typeface="Cambria Math" charset="0"/>
+                      </a:rPr>
+                      <m:t>≤20</m:t>
+                    </m:r>
+                  </m:oMath>
+                </a14:m>
+                <a:r>
+                  <a:rPr lang="en-US" sz="2000" dirty="0" smtClean="0">
+                    <a:latin typeface="Abadi MT Condensed Light" charset="0"/>
+                    <a:ea typeface="Abadi MT Condensed Light" charset="0"/>
+                    <a:cs typeface="Abadi MT Condensed Light" charset="0"/>
+                  </a:rPr>
+                  <a:t>cm </a:t>
+                </a:r>
+                <a:endParaRPr lang="en-US" sz="2000" dirty="0">
+                  <a:latin typeface="Abadi MT Condensed Light" charset="0"/>
+                  <a:ea typeface="Abadi MT Condensed Light" charset="0"/>
+                  <a:cs typeface="Abadi MT Condensed Light" charset="0"/>
+                </a:endParaRPr>
+              </a:p>
+            </p:txBody>
+          </p:sp>
+        </mc:Choice>
+        <mc:Fallback xmlns="">
           <p:sp>
             <p:nvSpPr>
               <p:cNvPr id="7" name="TextBox 6"/>

--- a/results/rgf_proton_analysis_11637.pptx
+++ b/results/rgf_proton_analysis_11637.pptx
@@ -260,7 +260,7 @@
           <a:p>
             <a:fld id="{214E4D86-6237-5F43-8C61-E9AFB6E0EEAA}" type="datetimeFigureOut">
               <a:rPr lang="en-US" smtClean="0"/>
-              <a:t>2/21/20</a:t>
+              <a:t>2/22/20</a:t>
             </a:fld>
             <a:endParaRPr lang="en-US"/>
           </a:p>
@@ -430,7 +430,7 @@
           <a:p>
             <a:fld id="{214E4D86-6237-5F43-8C61-E9AFB6E0EEAA}" type="datetimeFigureOut">
               <a:rPr lang="en-US" smtClean="0"/>
-              <a:t>2/21/20</a:t>
+              <a:t>2/22/20</a:t>
             </a:fld>
             <a:endParaRPr lang="en-US"/>
           </a:p>
@@ -610,7 +610,7 @@
           <a:p>
             <a:fld id="{214E4D86-6237-5F43-8C61-E9AFB6E0EEAA}" type="datetimeFigureOut">
               <a:rPr lang="en-US" smtClean="0"/>
-              <a:t>2/21/20</a:t>
+              <a:t>2/22/20</a:t>
             </a:fld>
             <a:endParaRPr lang="en-US"/>
           </a:p>
@@ -780,7 +780,7 @@
           <a:p>
             <a:fld id="{214E4D86-6237-5F43-8C61-E9AFB6E0EEAA}" type="datetimeFigureOut">
               <a:rPr lang="en-US" smtClean="0"/>
-              <a:t>2/21/20</a:t>
+              <a:t>2/22/20</a:t>
             </a:fld>
             <a:endParaRPr lang="en-US"/>
           </a:p>
@@ -1024,7 +1024,7 @@
           <a:p>
             <a:fld id="{214E4D86-6237-5F43-8C61-E9AFB6E0EEAA}" type="datetimeFigureOut">
               <a:rPr lang="en-US" smtClean="0"/>
-              <a:t>2/21/20</a:t>
+              <a:t>2/22/20</a:t>
             </a:fld>
             <a:endParaRPr lang="en-US"/>
           </a:p>
@@ -1256,7 +1256,7 @@
           <a:p>
             <a:fld id="{214E4D86-6237-5F43-8C61-E9AFB6E0EEAA}" type="datetimeFigureOut">
               <a:rPr lang="en-US" smtClean="0"/>
-              <a:t>2/21/20</a:t>
+              <a:t>2/22/20</a:t>
             </a:fld>
             <a:endParaRPr lang="en-US"/>
           </a:p>
@@ -1623,7 +1623,7 @@
           <a:p>
             <a:fld id="{214E4D86-6237-5F43-8C61-E9AFB6E0EEAA}" type="datetimeFigureOut">
               <a:rPr lang="en-US" smtClean="0"/>
-              <a:t>2/21/20</a:t>
+              <a:t>2/22/20</a:t>
             </a:fld>
             <a:endParaRPr lang="en-US"/>
           </a:p>
@@ -1741,7 +1741,7 @@
           <a:p>
             <a:fld id="{214E4D86-6237-5F43-8C61-E9AFB6E0EEAA}" type="datetimeFigureOut">
               <a:rPr lang="en-US" smtClean="0"/>
-              <a:t>2/21/20</a:t>
+              <a:t>2/22/20</a:t>
             </a:fld>
             <a:endParaRPr lang="en-US"/>
           </a:p>
@@ -1836,7 +1836,7 @@
           <a:p>
             <a:fld id="{214E4D86-6237-5F43-8C61-E9AFB6E0EEAA}" type="datetimeFigureOut">
               <a:rPr lang="en-US" smtClean="0"/>
-              <a:t>2/21/20</a:t>
+              <a:t>2/22/20</a:t>
             </a:fld>
             <a:endParaRPr lang="en-US"/>
           </a:p>
@@ -2113,7 +2113,7 @@
           <a:p>
             <a:fld id="{214E4D86-6237-5F43-8C61-E9AFB6E0EEAA}" type="datetimeFigureOut">
               <a:rPr lang="en-US" smtClean="0"/>
-              <a:t>2/21/20</a:t>
+              <a:t>2/22/20</a:t>
             </a:fld>
             <a:endParaRPr lang="en-US"/>
           </a:p>
@@ -2370,7 +2370,7 @@
           <a:p>
             <a:fld id="{214E4D86-6237-5F43-8C61-E9AFB6E0EEAA}" type="datetimeFigureOut">
               <a:rPr lang="en-US" smtClean="0"/>
-              <a:t>2/21/20</a:t>
+              <a:t>2/22/20</a:t>
             </a:fld>
             <a:endParaRPr lang="en-US"/>
           </a:p>
@@ -2583,7 +2583,7 @@
           <a:p>
             <a:fld id="{214E4D86-6237-5F43-8C61-E9AFB6E0EEAA}" type="datetimeFigureOut">
               <a:rPr lang="en-US" smtClean="0"/>
-              <a:t>2/21/20</a:t>
+              <a:t>2/22/20</a:t>
             </a:fld>
             <a:endParaRPr lang="en-US"/>
           </a:p>
@@ -3426,7 +3426,7 @@
         <p:spPr>
           <a:xfrm>
             <a:off x="0" y="1260662"/>
-            <a:ext cx="9144000" cy="4336676"/>
+            <a:ext cx="9143999" cy="4336676"/>
           </a:xfrm>
           <a:prstGeom prst="rect">
             <a:avLst/>
@@ -3535,7 +3535,7 @@
         <p:spPr>
           <a:xfrm>
             <a:off x="-16241" y="1665604"/>
-            <a:ext cx="9144000" cy="3971636"/>
+            <a:ext cx="9143999" cy="3971636"/>
           </a:xfrm>
           <a:prstGeom prst="rect">
             <a:avLst/>
@@ -5415,7 +5415,7 @@
         <p:spPr>
           <a:xfrm>
             <a:off x="0" y="1235948"/>
-            <a:ext cx="9144000" cy="4336676"/>
+            <a:ext cx="9143999" cy="4336676"/>
           </a:xfrm>
           <a:prstGeom prst="rect">
             <a:avLst/>
@@ -5885,7 +5885,7 @@
         <p:spPr>
           <a:xfrm>
             <a:off x="0" y="1260662"/>
-            <a:ext cx="9144000" cy="4336676"/>
+            <a:ext cx="9143999" cy="4336676"/>
           </a:xfrm>
           <a:prstGeom prst="rect">
             <a:avLst/>
